--- a/Presentation.pptx
+++ b/Presentation.pptx
@@ -21,6 +21,7 @@
     <p:sldId id="263" r:id="rId15"/>
     <p:sldId id="270" r:id="rId16"/>
     <p:sldId id="265" r:id="rId17"/>
+    <p:sldId id="272" r:id="rId18"/>
   </p:sldIdLst>
   <p:sldSz cx="12192000" cy="6858000"/>
   <p:notesSz cx="6858000" cy="9144000"/>
@@ -17288,6 +17289,1116 @@
 </p:sld>
 </file>
 
+<file path=ppt/slides/slide17.xml><?xml version="1.0" encoding="utf-8"?>
+<p:sld xmlns:a="http://schemas.openxmlformats.org/drawingml/2006/main" xmlns:r="http://schemas.openxmlformats.org/officeDocument/2006/relationships" xmlns:p="http://schemas.openxmlformats.org/presentationml/2006/main">
+  <p:cSld>
+    <p:spTree>
+      <p:nvGrpSpPr>
+        <p:cNvPr id="1" name=""/>
+        <p:cNvGrpSpPr/>
+        <p:nvPr/>
+      </p:nvGrpSpPr>
+      <p:grpSpPr>
+        <a:xfrm>
+          <a:off x="0" y="0"/>
+          <a:ext cx="0" cy="0"/>
+          <a:chOff x="0" y="0"/>
+          <a:chExt cx="0" cy="0"/>
+        </a:xfrm>
+      </p:grpSpPr>
+      <p:sp>
+        <p:nvSpPr>
+          <p:cNvPr id="2" name="Başlık 1">
+            <a:extLst>
+              <a:ext uri="{FF2B5EF4-FFF2-40B4-BE49-F238E27FC236}">
+                <a16:creationId xmlns:a16="http://schemas.microsoft.com/office/drawing/2014/main" id="{085801D6-A1F7-CEE2-4311-3CB48F1169CF}"/>
+              </a:ext>
+            </a:extLst>
+          </p:cNvPr>
+          <p:cNvSpPr>
+            <a:spLocks noGrp="1"/>
+          </p:cNvSpPr>
+          <p:nvPr>
+            <p:ph type="title"/>
+          </p:nvPr>
+        </p:nvSpPr>
+        <p:spPr/>
+        <p:txBody>
+          <a:bodyPr/>
+          <a:lstStyle/>
+          <a:p>
+            <a:r>
+              <a:rPr lang="en-US" b="0" i="0" u="none" strike="noStrike" dirty="0">
+                <a:solidFill>
+                  <a:srgbClr val="000000"/>
+                </a:solidFill>
+                <a:effectLst/>
+                <a:latin typeface="-webkit-standard"/>
+              </a:rPr>
+              <a:t>Limitations and Possible Future Work</a:t>
+            </a:r>
+            <a:endParaRPr lang="en-US" dirty="0"/>
+          </a:p>
+        </p:txBody>
+      </p:sp>
+      <p:sp>
+        <p:nvSpPr>
+          <p:cNvPr id="3" name="İçerik Yer Tutucusu 2">
+            <a:extLst>
+              <a:ext uri="{FF2B5EF4-FFF2-40B4-BE49-F238E27FC236}">
+                <a16:creationId xmlns:a16="http://schemas.microsoft.com/office/drawing/2014/main" id="{9D0995EA-6746-CCCE-035F-3E1B98DC640B}"/>
+              </a:ext>
+            </a:extLst>
+          </p:cNvPr>
+          <p:cNvSpPr>
+            <a:spLocks noGrp="1"/>
+          </p:cNvSpPr>
+          <p:nvPr>
+            <p:ph idx="1"/>
+          </p:nvPr>
+        </p:nvSpPr>
+        <p:spPr/>
+        <p:txBody>
+          <a:bodyPr/>
+          <a:lstStyle/>
+          <a:p>
+            <a:pPr algn="l"/>
+            <a:r>
+              <a:rPr lang="tr-TR" b="0" i="0" u="none" strike="noStrike" dirty="0">
+                <a:solidFill>
+                  <a:srgbClr val="000000"/>
+                </a:solidFill>
+                <a:effectLst/>
+              </a:rPr>
+              <a:t>Limited </a:t>
+            </a:r>
+            <a:r>
+              <a:rPr lang="tr-TR" b="0" i="0" u="none" strike="noStrike" dirty="0" err="1">
+                <a:solidFill>
+                  <a:srgbClr val="000000"/>
+                </a:solidFill>
+                <a:effectLst/>
+              </a:rPr>
+              <a:t>Feature</a:t>
+            </a:r>
+            <a:r>
+              <a:rPr lang="tr-TR" b="0" i="0" u="none" strike="noStrike" dirty="0">
+                <a:solidFill>
+                  <a:srgbClr val="000000"/>
+                </a:solidFill>
+                <a:effectLst/>
+              </a:rPr>
+              <a:t> Set: </a:t>
+            </a:r>
+            <a:r>
+              <a:rPr lang="tr-TR" b="0" i="0" u="none" strike="noStrike" dirty="0" err="1">
+                <a:solidFill>
+                  <a:srgbClr val="000000"/>
+                </a:solidFill>
+                <a:effectLst/>
+              </a:rPr>
+              <a:t>Primarily</a:t>
+            </a:r>
+            <a:r>
+              <a:rPr lang="tr-TR" b="0" i="0" u="none" strike="noStrike" dirty="0">
+                <a:solidFill>
+                  <a:srgbClr val="000000"/>
+                </a:solidFill>
+                <a:effectLst/>
+              </a:rPr>
+              <a:t> </a:t>
+            </a:r>
+            <a:r>
+              <a:rPr lang="tr-TR" b="0" i="0" u="none" strike="noStrike" dirty="0" err="1">
+                <a:solidFill>
+                  <a:srgbClr val="000000"/>
+                </a:solidFill>
+                <a:effectLst/>
+              </a:rPr>
+              <a:t>day</a:t>
+            </a:r>
+            <a:r>
+              <a:rPr lang="tr-TR" b="0" i="0" u="none" strike="noStrike" dirty="0">
+                <a:solidFill>
+                  <a:srgbClr val="000000"/>
+                </a:solidFill>
+                <a:effectLst/>
+              </a:rPr>
+              <a:t>-of-</a:t>
+            </a:r>
+            <a:r>
+              <a:rPr lang="tr-TR" b="0" i="0" u="none" strike="noStrike" dirty="0" err="1">
+                <a:solidFill>
+                  <a:srgbClr val="000000"/>
+                </a:solidFill>
+                <a:effectLst/>
+              </a:rPr>
+              <a:t>week</a:t>
+            </a:r>
+            <a:r>
+              <a:rPr lang="tr-TR" b="0" i="0" u="none" strike="noStrike" dirty="0">
+                <a:solidFill>
+                  <a:srgbClr val="000000"/>
+                </a:solidFill>
+                <a:effectLst/>
+              </a:rPr>
+              <a:t> </a:t>
+            </a:r>
+            <a:r>
+              <a:rPr lang="tr-TR" b="0" i="0" u="none" strike="noStrike" dirty="0" err="1">
+                <a:solidFill>
+                  <a:srgbClr val="000000"/>
+                </a:solidFill>
+                <a:effectLst/>
+              </a:rPr>
+              <a:t>and</a:t>
+            </a:r>
+            <a:r>
+              <a:rPr lang="tr-TR" b="0" i="0" u="none" strike="noStrike" dirty="0">
+                <a:solidFill>
+                  <a:srgbClr val="000000"/>
+                </a:solidFill>
+                <a:effectLst/>
+              </a:rPr>
+              <a:t> </a:t>
+            </a:r>
+            <a:r>
+              <a:rPr lang="tr-TR" b="0" i="0" u="none" strike="noStrike" dirty="0" err="1">
+                <a:solidFill>
+                  <a:srgbClr val="000000"/>
+                </a:solidFill>
+                <a:effectLst/>
+              </a:rPr>
+              <a:t>exam</a:t>
+            </a:r>
+            <a:r>
+              <a:rPr lang="tr-TR" b="0" i="0" u="none" strike="noStrike" dirty="0">
+                <a:solidFill>
+                  <a:srgbClr val="000000"/>
+                </a:solidFill>
+                <a:effectLst/>
+              </a:rPr>
+              <a:t> vs. </a:t>
+            </a:r>
+            <a:r>
+              <a:rPr lang="tr-TR" b="0" i="0" u="none" strike="noStrike" dirty="0" err="1">
+                <a:solidFill>
+                  <a:srgbClr val="000000"/>
+                </a:solidFill>
+                <a:effectLst/>
+              </a:rPr>
+              <a:t>non-exam</a:t>
+            </a:r>
+            <a:r>
+              <a:rPr lang="tr-TR" b="0" i="0" u="none" strike="noStrike" dirty="0">
+                <a:solidFill>
+                  <a:srgbClr val="000000"/>
+                </a:solidFill>
+                <a:effectLst/>
+              </a:rPr>
+              <a:t>.</a:t>
+            </a:r>
+          </a:p>
+          <a:p>
+            <a:pPr algn="l"/>
+            <a:r>
+              <a:rPr lang="tr-TR" b="0" i="0" u="none" strike="noStrike" dirty="0" err="1">
+                <a:solidFill>
+                  <a:srgbClr val="000000"/>
+                </a:solidFill>
+                <a:effectLst/>
+              </a:rPr>
+              <a:t>External</a:t>
+            </a:r>
+            <a:r>
+              <a:rPr lang="tr-TR" b="0" i="0" u="none" strike="noStrike" dirty="0">
+                <a:solidFill>
+                  <a:srgbClr val="000000"/>
+                </a:solidFill>
+                <a:effectLst/>
+              </a:rPr>
+              <a:t> </a:t>
+            </a:r>
+            <a:r>
+              <a:rPr lang="tr-TR" b="0" i="0" u="none" strike="noStrike" dirty="0" err="1">
+                <a:solidFill>
+                  <a:srgbClr val="000000"/>
+                </a:solidFill>
+                <a:effectLst/>
+              </a:rPr>
+              <a:t>Factors</a:t>
+            </a:r>
+            <a:r>
+              <a:rPr lang="tr-TR" b="0" i="0" u="none" strike="noStrike" dirty="0">
+                <a:solidFill>
+                  <a:srgbClr val="000000"/>
+                </a:solidFill>
+                <a:effectLst/>
+              </a:rPr>
+              <a:t> </a:t>
+            </a:r>
+            <a:r>
+              <a:rPr lang="tr-TR" b="0" i="0" u="none" strike="noStrike" dirty="0" err="1">
+                <a:solidFill>
+                  <a:srgbClr val="000000"/>
+                </a:solidFill>
+                <a:effectLst/>
+              </a:rPr>
+              <a:t>Missing</a:t>
+            </a:r>
+            <a:r>
+              <a:rPr lang="tr-TR" b="0" i="0" u="none" strike="noStrike" dirty="0">
+                <a:solidFill>
+                  <a:srgbClr val="000000"/>
+                </a:solidFill>
+                <a:effectLst/>
+              </a:rPr>
+              <a:t>: No </a:t>
+            </a:r>
+            <a:r>
+              <a:rPr lang="tr-TR" b="0" i="0" u="none" strike="noStrike" dirty="0" err="1">
+                <a:solidFill>
+                  <a:srgbClr val="000000"/>
+                </a:solidFill>
+                <a:effectLst/>
+              </a:rPr>
+              <a:t>inclusion</a:t>
+            </a:r>
+            <a:r>
+              <a:rPr lang="tr-TR" b="0" i="0" u="none" strike="noStrike" dirty="0">
+                <a:solidFill>
+                  <a:srgbClr val="000000"/>
+                </a:solidFill>
+                <a:effectLst/>
+              </a:rPr>
+              <a:t> of </a:t>
+            </a:r>
+            <a:r>
+              <a:rPr lang="tr-TR" b="0" i="0" u="none" strike="noStrike" dirty="0" err="1">
+                <a:solidFill>
+                  <a:srgbClr val="000000"/>
+                </a:solidFill>
+                <a:effectLst/>
+              </a:rPr>
+              <a:t>social</a:t>
+            </a:r>
+            <a:r>
+              <a:rPr lang="tr-TR" b="0" i="0" u="none" strike="noStrike" dirty="0">
+                <a:solidFill>
+                  <a:srgbClr val="000000"/>
+                </a:solidFill>
+                <a:effectLst/>
+              </a:rPr>
+              <a:t> life, </a:t>
+            </a:r>
+            <a:r>
+              <a:rPr lang="tr-TR" b="0" i="0" u="none" strike="noStrike" dirty="0" err="1">
+                <a:solidFill>
+                  <a:srgbClr val="000000"/>
+                </a:solidFill>
+                <a:effectLst/>
+              </a:rPr>
+              <a:t>deadlines</a:t>
+            </a:r>
+            <a:r>
+              <a:rPr lang="tr-TR" b="0" i="0" u="none" strike="noStrike" dirty="0">
+                <a:solidFill>
+                  <a:srgbClr val="000000"/>
+                </a:solidFill>
+                <a:effectLst/>
+              </a:rPr>
+              <a:t>, </a:t>
+            </a:r>
+            <a:r>
+              <a:rPr lang="tr-TR" b="0" i="0" u="none" strike="noStrike" dirty="0" err="1">
+                <a:solidFill>
+                  <a:srgbClr val="000000"/>
+                </a:solidFill>
+                <a:effectLst/>
+              </a:rPr>
+              <a:t>or</a:t>
+            </a:r>
+            <a:r>
+              <a:rPr lang="tr-TR" b="0" i="0" u="none" strike="noStrike" dirty="0">
+                <a:solidFill>
+                  <a:srgbClr val="000000"/>
+                </a:solidFill>
+                <a:effectLst/>
+              </a:rPr>
+              <a:t> </a:t>
+            </a:r>
+            <a:r>
+              <a:rPr lang="tr-TR" b="0" i="0" u="none" strike="noStrike" dirty="0" err="1">
+                <a:solidFill>
+                  <a:srgbClr val="000000"/>
+                </a:solidFill>
+                <a:effectLst/>
+              </a:rPr>
+              <a:t>unexpected</a:t>
+            </a:r>
+            <a:r>
+              <a:rPr lang="tr-TR" b="0" i="0" u="none" strike="noStrike" dirty="0">
+                <a:solidFill>
+                  <a:srgbClr val="000000"/>
+                </a:solidFill>
+                <a:effectLst/>
+              </a:rPr>
+              <a:t> life </a:t>
+            </a:r>
+            <a:r>
+              <a:rPr lang="tr-TR" b="0" i="0" u="none" strike="noStrike" dirty="0" err="1">
+                <a:solidFill>
+                  <a:srgbClr val="000000"/>
+                </a:solidFill>
+                <a:effectLst/>
+              </a:rPr>
+              <a:t>events</a:t>
+            </a:r>
+            <a:endParaRPr lang="tr-TR" b="0" i="0" u="none" strike="noStrike" dirty="0">
+              <a:solidFill>
+                <a:srgbClr val="000000"/>
+              </a:solidFill>
+              <a:effectLst/>
+            </a:endParaRPr>
+          </a:p>
+          <a:p>
+            <a:pPr algn="l"/>
+            <a:r>
+              <a:rPr lang="tr-TR" b="0" i="0" u="none" strike="noStrike" dirty="0" err="1">
+                <a:solidFill>
+                  <a:srgbClr val="000000"/>
+                </a:solidFill>
+                <a:effectLst/>
+              </a:rPr>
+              <a:t>Other</a:t>
+            </a:r>
+            <a:r>
+              <a:rPr lang="tr-TR" b="0" i="0" u="none" strike="noStrike" dirty="0">
+                <a:solidFill>
+                  <a:srgbClr val="000000"/>
+                </a:solidFill>
+                <a:effectLst/>
+              </a:rPr>
+              <a:t> </a:t>
+            </a:r>
+            <a:r>
+              <a:rPr lang="tr-TR" b="0" i="0" u="none" strike="noStrike" dirty="0" err="1">
+                <a:solidFill>
+                  <a:srgbClr val="000000"/>
+                </a:solidFill>
+                <a:effectLst/>
+              </a:rPr>
+              <a:t>Platforms</a:t>
+            </a:r>
+            <a:r>
+              <a:rPr lang="tr-TR" b="0" i="0" u="none" strike="noStrike" dirty="0">
+                <a:solidFill>
+                  <a:srgbClr val="000000"/>
+                </a:solidFill>
+                <a:effectLst/>
+              </a:rPr>
+              <a:t>: </a:t>
+            </a:r>
+            <a:r>
+              <a:rPr lang="tr-TR" b="0" i="0" u="none" strike="noStrike" dirty="0" err="1">
+                <a:solidFill>
+                  <a:srgbClr val="000000"/>
+                </a:solidFill>
+                <a:effectLst/>
+              </a:rPr>
+              <a:t>Compare</a:t>
+            </a:r>
+            <a:r>
+              <a:rPr lang="tr-TR" b="0" i="0" u="none" strike="noStrike" dirty="0">
+                <a:solidFill>
+                  <a:srgbClr val="000000"/>
+                </a:solidFill>
+                <a:effectLst/>
+              </a:rPr>
+              <a:t> </a:t>
+            </a:r>
+            <a:r>
+              <a:rPr lang="tr-TR" b="0" i="0" u="none" strike="noStrike" dirty="0" err="1">
+                <a:solidFill>
+                  <a:srgbClr val="000000"/>
+                </a:solidFill>
+                <a:effectLst/>
+              </a:rPr>
+              <a:t>Netflix</a:t>
+            </a:r>
+            <a:r>
+              <a:rPr lang="tr-TR" b="0" i="0" u="none" strike="noStrike" dirty="0">
+                <a:solidFill>
+                  <a:srgbClr val="000000"/>
+                </a:solidFill>
+                <a:effectLst/>
+              </a:rPr>
+              <a:t> data </a:t>
+            </a:r>
+            <a:r>
+              <a:rPr lang="tr-TR" b="0" i="0" u="none" strike="noStrike" dirty="0" err="1">
+                <a:solidFill>
+                  <a:srgbClr val="000000"/>
+                </a:solidFill>
+                <a:effectLst/>
+              </a:rPr>
+              <a:t>with</a:t>
+            </a:r>
+            <a:r>
+              <a:rPr lang="tr-TR" b="0" i="0" u="none" strike="noStrike" dirty="0">
+                <a:solidFill>
+                  <a:srgbClr val="000000"/>
+                </a:solidFill>
+                <a:effectLst/>
+              </a:rPr>
+              <a:t> </a:t>
+            </a:r>
+            <a:r>
+              <a:rPr lang="tr-TR" b="0" i="0" u="none" strike="noStrike" dirty="0" err="1">
+                <a:solidFill>
+                  <a:srgbClr val="000000"/>
+                </a:solidFill>
+                <a:effectLst/>
+              </a:rPr>
+              <a:t>other</a:t>
+            </a:r>
+            <a:r>
+              <a:rPr lang="tr-TR" b="0" i="0" u="none" strike="noStrike" dirty="0">
+                <a:solidFill>
+                  <a:srgbClr val="000000"/>
+                </a:solidFill>
+                <a:effectLst/>
+              </a:rPr>
+              <a:t> </a:t>
+            </a:r>
+            <a:r>
+              <a:rPr lang="tr-TR" b="0" i="0" u="none" strike="noStrike" dirty="0" err="1">
+                <a:solidFill>
+                  <a:srgbClr val="000000"/>
+                </a:solidFill>
+                <a:effectLst/>
+              </a:rPr>
+              <a:t>streaming</a:t>
+            </a:r>
+            <a:r>
+              <a:rPr lang="tr-TR" b="0" i="0" u="none" strike="noStrike" dirty="0">
+                <a:solidFill>
+                  <a:srgbClr val="000000"/>
+                </a:solidFill>
+                <a:effectLst/>
+              </a:rPr>
+              <a:t> </a:t>
+            </a:r>
+            <a:r>
+              <a:rPr lang="tr-TR" b="0" i="0" u="none" strike="noStrike" dirty="0" err="1">
+                <a:solidFill>
+                  <a:srgbClr val="000000"/>
+                </a:solidFill>
+                <a:effectLst/>
+              </a:rPr>
+              <a:t>services</a:t>
+            </a:r>
+            <a:r>
+              <a:rPr lang="tr-TR" b="0" i="0" u="none" strike="noStrike" dirty="0">
+                <a:solidFill>
+                  <a:srgbClr val="000000"/>
+                </a:solidFill>
+                <a:effectLst/>
+              </a:rPr>
+              <a:t> </a:t>
+            </a:r>
+            <a:r>
+              <a:rPr lang="tr-TR" b="0" i="0" u="none" strike="noStrike" dirty="0" err="1">
+                <a:solidFill>
+                  <a:srgbClr val="000000"/>
+                </a:solidFill>
+                <a:effectLst/>
+              </a:rPr>
+              <a:t>or</a:t>
+            </a:r>
+            <a:r>
+              <a:rPr lang="tr-TR" b="0" i="0" u="none" strike="noStrike" dirty="0">
+                <a:solidFill>
+                  <a:srgbClr val="000000"/>
+                </a:solidFill>
+                <a:effectLst/>
+              </a:rPr>
+              <a:t> </a:t>
+            </a:r>
+            <a:r>
+              <a:rPr lang="tr-TR" b="0" i="0" u="none" strike="noStrike" dirty="0" err="1">
+                <a:solidFill>
+                  <a:srgbClr val="000000"/>
+                </a:solidFill>
+                <a:effectLst/>
+              </a:rPr>
+              <a:t>entertainment</a:t>
+            </a:r>
+            <a:r>
+              <a:rPr lang="tr-TR" b="0" i="0" u="none" strike="noStrike" dirty="0">
+                <a:solidFill>
+                  <a:srgbClr val="000000"/>
+                </a:solidFill>
+                <a:effectLst/>
+              </a:rPr>
+              <a:t>.</a:t>
+            </a:r>
+          </a:p>
+          <a:p>
+            <a:pPr algn="l"/>
+            <a:r>
+              <a:rPr lang="tr-TR" b="0" i="0" u="none" strike="noStrike" dirty="0" err="1">
+                <a:solidFill>
+                  <a:srgbClr val="000000"/>
+                </a:solidFill>
+                <a:effectLst/>
+              </a:rPr>
+              <a:t>Refined</a:t>
+            </a:r>
+            <a:r>
+              <a:rPr lang="tr-TR" b="0" i="0" u="none" strike="noStrike" dirty="0">
+                <a:solidFill>
+                  <a:srgbClr val="000000"/>
+                </a:solidFill>
+                <a:effectLst/>
+              </a:rPr>
+              <a:t> ML </a:t>
+            </a:r>
+            <a:r>
+              <a:rPr lang="tr-TR" b="0" i="0" u="none" strike="noStrike" dirty="0" err="1">
+                <a:solidFill>
+                  <a:srgbClr val="000000"/>
+                </a:solidFill>
+                <a:effectLst/>
+              </a:rPr>
+              <a:t>Models</a:t>
+            </a:r>
+            <a:r>
+              <a:rPr lang="tr-TR" b="0" i="0" u="none" strike="noStrike" dirty="0">
+                <a:solidFill>
+                  <a:srgbClr val="000000"/>
+                </a:solidFill>
+                <a:effectLst/>
+              </a:rPr>
+              <a:t>: </a:t>
+            </a:r>
+            <a:r>
+              <a:rPr lang="tr-TR" b="0" i="0" u="none" strike="noStrike" dirty="0" err="1">
+                <a:solidFill>
+                  <a:srgbClr val="000000"/>
+                </a:solidFill>
+                <a:effectLst/>
+              </a:rPr>
+              <a:t>Consider</a:t>
+            </a:r>
+            <a:r>
+              <a:rPr lang="tr-TR" b="0" i="0" u="none" strike="noStrike" dirty="0">
+                <a:solidFill>
+                  <a:srgbClr val="000000"/>
+                </a:solidFill>
+                <a:effectLst/>
+              </a:rPr>
+              <a:t> </a:t>
+            </a:r>
+            <a:r>
+              <a:rPr lang="tr-TR" b="0" i="0" u="none" strike="noStrike" dirty="0" err="1">
+                <a:solidFill>
+                  <a:srgbClr val="000000"/>
+                </a:solidFill>
+                <a:effectLst/>
+              </a:rPr>
+              <a:t>advanced</a:t>
+            </a:r>
+            <a:r>
+              <a:rPr lang="tr-TR" b="0" i="0" u="none" strike="noStrike" dirty="0">
+                <a:solidFill>
+                  <a:srgbClr val="000000"/>
+                </a:solidFill>
+                <a:effectLst/>
+              </a:rPr>
+              <a:t> </a:t>
+            </a:r>
+            <a:r>
+              <a:rPr lang="tr-TR" b="0" i="0" u="none" strike="noStrike" dirty="0" err="1">
+                <a:solidFill>
+                  <a:srgbClr val="000000"/>
+                </a:solidFill>
+                <a:effectLst/>
+              </a:rPr>
+              <a:t>methods</a:t>
+            </a:r>
+            <a:r>
+              <a:rPr lang="tr-TR" b="0" i="0" u="none" strike="noStrike" dirty="0">
+                <a:solidFill>
+                  <a:srgbClr val="000000"/>
+                </a:solidFill>
+                <a:effectLst/>
+              </a:rPr>
+              <a:t> (</a:t>
+            </a:r>
+            <a:r>
+              <a:rPr lang="tr-TR" b="0" i="0" u="none" strike="noStrike" dirty="0" err="1">
+                <a:solidFill>
+                  <a:srgbClr val="000000"/>
+                </a:solidFill>
+                <a:effectLst/>
+              </a:rPr>
+              <a:t>e.g</a:t>
+            </a:r>
+            <a:r>
+              <a:rPr lang="tr-TR" b="0" i="0" u="none" strike="noStrike" dirty="0">
+                <a:solidFill>
+                  <a:srgbClr val="000000"/>
+                </a:solidFill>
+                <a:effectLst/>
+              </a:rPr>
+              <a:t>., </a:t>
+            </a:r>
+            <a:r>
+              <a:rPr lang="tr-TR" b="0" i="0" u="none" strike="noStrike" dirty="0" err="1">
+                <a:solidFill>
+                  <a:srgbClr val="000000"/>
+                </a:solidFill>
+                <a:effectLst/>
+              </a:rPr>
+              <a:t>Random</a:t>
+            </a:r>
+            <a:r>
+              <a:rPr lang="tr-TR" b="0" i="0" u="none" strike="noStrike" dirty="0">
+                <a:solidFill>
+                  <a:srgbClr val="000000"/>
+                </a:solidFill>
+                <a:effectLst/>
+              </a:rPr>
+              <a:t> </a:t>
+            </a:r>
+            <a:r>
+              <a:rPr lang="tr-TR" b="0" i="0" u="none" strike="noStrike" dirty="0" err="1">
+                <a:solidFill>
+                  <a:srgbClr val="000000"/>
+                </a:solidFill>
+                <a:effectLst/>
+              </a:rPr>
+              <a:t>Forest</a:t>
+            </a:r>
+            <a:r>
+              <a:rPr lang="tr-TR" b="0" i="0" u="none" strike="noStrike" dirty="0">
+                <a:solidFill>
+                  <a:srgbClr val="000000"/>
+                </a:solidFill>
+                <a:effectLst/>
+              </a:rPr>
+              <a:t>, </a:t>
+            </a:r>
+            <a:r>
+              <a:rPr lang="tr-TR" b="0" i="0" u="none" strike="noStrike" dirty="0" err="1">
+                <a:solidFill>
+                  <a:srgbClr val="000000"/>
+                </a:solidFill>
+                <a:effectLst/>
+              </a:rPr>
+              <a:t>ensemble</a:t>
+            </a:r>
+            <a:r>
+              <a:rPr lang="tr-TR" b="0" i="0" u="none" strike="noStrike" dirty="0">
+                <a:solidFill>
+                  <a:srgbClr val="000000"/>
+                </a:solidFill>
+                <a:effectLst/>
+              </a:rPr>
+              <a:t> </a:t>
+            </a:r>
+            <a:r>
+              <a:rPr lang="tr-TR" b="0" i="0" u="none" strike="noStrike" dirty="0" err="1">
+                <a:solidFill>
+                  <a:srgbClr val="000000"/>
+                </a:solidFill>
+                <a:effectLst/>
+              </a:rPr>
+              <a:t>models</a:t>
+            </a:r>
+            <a:r>
+              <a:rPr lang="tr-TR" b="0" i="0" u="none" strike="noStrike" dirty="0">
+                <a:solidFill>
+                  <a:srgbClr val="000000"/>
+                </a:solidFill>
+                <a:effectLst/>
+              </a:rPr>
+              <a:t>) </a:t>
+            </a:r>
+            <a:r>
+              <a:rPr lang="tr-TR" b="0" i="0" u="none" strike="noStrike" dirty="0" err="1">
+                <a:solidFill>
+                  <a:srgbClr val="000000"/>
+                </a:solidFill>
+                <a:effectLst/>
+              </a:rPr>
+              <a:t>or</a:t>
+            </a:r>
+            <a:r>
+              <a:rPr lang="tr-TR" b="0" i="0" u="none" strike="noStrike" dirty="0">
+                <a:solidFill>
+                  <a:srgbClr val="000000"/>
+                </a:solidFill>
+                <a:effectLst/>
+              </a:rPr>
+              <a:t> </a:t>
+            </a:r>
+            <a:r>
+              <a:rPr lang="tr-TR" b="0" i="0" u="none" strike="noStrike" dirty="0" err="1">
+                <a:solidFill>
+                  <a:srgbClr val="000000"/>
+                </a:solidFill>
+                <a:effectLst/>
+              </a:rPr>
+              <a:t>more</a:t>
+            </a:r>
+            <a:r>
+              <a:rPr lang="tr-TR" b="0" i="0" u="none" strike="noStrike" dirty="0">
+                <a:solidFill>
+                  <a:srgbClr val="000000"/>
+                </a:solidFill>
+                <a:effectLst/>
+              </a:rPr>
+              <a:t> </a:t>
+            </a:r>
+            <a:r>
+              <a:rPr lang="tr-TR" b="0" i="0" u="none" strike="noStrike" dirty="0" err="1">
+                <a:solidFill>
+                  <a:srgbClr val="000000"/>
+                </a:solidFill>
+                <a:effectLst/>
+              </a:rPr>
+              <a:t>robust</a:t>
+            </a:r>
+            <a:r>
+              <a:rPr lang="tr-TR" b="0" i="0" u="none" strike="noStrike" dirty="0">
+                <a:solidFill>
+                  <a:srgbClr val="000000"/>
+                </a:solidFill>
+                <a:effectLst/>
+              </a:rPr>
+              <a:t> </a:t>
+            </a:r>
+            <a:r>
+              <a:rPr lang="tr-TR" b="0" i="0" u="none" strike="noStrike" dirty="0" err="1">
+                <a:solidFill>
+                  <a:srgbClr val="000000"/>
+                </a:solidFill>
+                <a:effectLst/>
+              </a:rPr>
+              <a:t>feature</a:t>
+            </a:r>
+            <a:r>
+              <a:rPr lang="tr-TR" b="0" i="0" u="none" strike="noStrike" dirty="0">
+                <a:solidFill>
+                  <a:srgbClr val="000000"/>
+                </a:solidFill>
+                <a:effectLst/>
+              </a:rPr>
+              <a:t> </a:t>
+            </a:r>
+            <a:r>
+              <a:rPr lang="tr-TR" b="0" i="0" u="none" strike="noStrike" dirty="0" err="1">
+                <a:solidFill>
+                  <a:srgbClr val="000000"/>
+                </a:solidFill>
+                <a:effectLst/>
+              </a:rPr>
+              <a:t>engineering</a:t>
+            </a:r>
+            <a:r>
+              <a:rPr lang="tr-TR" b="0" i="0" u="none" strike="noStrike" dirty="0">
+                <a:solidFill>
+                  <a:srgbClr val="000000"/>
+                </a:solidFill>
+                <a:effectLst/>
+              </a:rPr>
+              <a:t>.</a:t>
+            </a:r>
+          </a:p>
+          <a:p>
+            <a:pPr algn="l"/>
+            <a:r>
+              <a:rPr lang="tr-TR" b="0" i="0" u="none" strike="noStrike" dirty="0" err="1">
+                <a:solidFill>
+                  <a:srgbClr val="000000"/>
+                </a:solidFill>
+                <a:effectLst/>
+              </a:rPr>
+              <a:t>Long-Term</a:t>
+            </a:r>
+            <a:r>
+              <a:rPr lang="tr-TR" b="0" i="0" u="none" strike="noStrike" dirty="0">
+                <a:solidFill>
+                  <a:srgbClr val="000000"/>
+                </a:solidFill>
+                <a:effectLst/>
+              </a:rPr>
+              <a:t> </a:t>
+            </a:r>
+            <a:r>
+              <a:rPr lang="tr-TR" b="0" i="0" u="none" strike="noStrike" dirty="0" err="1">
+                <a:solidFill>
+                  <a:srgbClr val="000000"/>
+                </a:solidFill>
+                <a:effectLst/>
+              </a:rPr>
+              <a:t>Tracking</a:t>
+            </a:r>
+            <a:r>
+              <a:rPr lang="tr-TR" b="0" i="0" u="none" strike="noStrike" dirty="0">
+                <a:solidFill>
+                  <a:srgbClr val="000000"/>
+                </a:solidFill>
+                <a:effectLst/>
+              </a:rPr>
+              <a:t>: </a:t>
+            </a:r>
+            <a:r>
+              <a:rPr lang="tr-TR" b="0" i="0" u="none" strike="noStrike" dirty="0" err="1">
+                <a:solidFill>
+                  <a:srgbClr val="000000"/>
+                </a:solidFill>
+                <a:effectLst/>
+              </a:rPr>
+              <a:t>Gather</a:t>
+            </a:r>
+            <a:r>
+              <a:rPr lang="tr-TR" b="0" i="0" u="none" strike="noStrike" dirty="0">
+                <a:solidFill>
+                  <a:srgbClr val="000000"/>
+                </a:solidFill>
+                <a:effectLst/>
+              </a:rPr>
+              <a:t> data </a:t>
+            </a:r>
+            <a:r>
+              <a:rPr lang="tr-TR" b="0" i="0" u="none" strike="noStrike" dirty="0" err="1">
+                <a:solidFill>
+                  <a:srgbClr val="000000"/>
+                </a:solidFill>
+                <a:effectLst/>
+              </a:rPr>
+              <a:t>across</a:t>
+            </a:r>
+            <a:r>
+              <a:rPr lang="tr-TR" b="0" i="0" u="none" strike="noStrike" dirty="0">
+                <a:solidFill>
+                  <a:srgbClr val="000000"/>
+                </a:solidFill>
+                <a:effectLst/>
+              </a:rPr>
+              <a:t> </a:t>
+            </a:r>
+            <a:r>
+              <a:rPr lang="tr-TR" b="0" i="0" u="none" strike="noStrike" dirty="0" err="1">
+                <a:solidFill>
+                  <a:srgbClr val="000000"/>
+                </a:solidFill>
+                <a:effectLst/>
+              </a:rPr>
+              <a:t>multiple</a:t>
+            </a:r>
+            <a:r>
+              <a:rPr lang="tr-TR" b="0" i="0" u="none" strike="noStrike" dirty="0">
+                <a:solidFill>
+                  <a:srgbClr val="000000"/>
+                </a:solidFill>
+                <a:effectLst/>
+              </a:rPr>
+              <a:t> </a:t>
+            </a:r>
+            <a:r>
+              <a:rPr lang="tr-TR" b="0" i="0" u="none" strike="noStrike" dirty="0" err="1">
+                <a:solidFill>
+                  <a:srgbClr val="000000"/>
+                </a:solidFill>
+                <a:effectLst/>
+              </a:rPr>
+              <a:t>semesters</a:t>
+            </a:r>
+            <a:r>
+              <a:rPr lang="tr-TR" b="0" i="0" u="none" strike="noStrike" dirty="0">
+                <a:solidFill>
+                  <a:srgbClr val="000000"/>
+                </a:solidFill>
+                <a:effectLst/>
+              </a:rPr>
+              <a:t> </a:t>
+            </a:r>
+            <a:r>
+              <a:rPr lang="tr-TR" b="0" i="0" u="none" strike="noStrike" dirty="0" err="1">
+                <a:solidFill>
+                  <a:srgbClr val="000000"/>
+                </a:solidFill>
+                <a:effectLst/>
+              </a:rPr>
+              <a:t>or</a:t>
+            </a:r>
+            <a:r>
+              <a:rPr lang="tr-TR" b="0" i="0" u="none" strike="noStrike" dirty="0">
+                <a:solidFill>
+                  <a:srgbClr val="000000"/>
+                </a:solidFill>
+                <a:effectLst/>
+              </a:rPr>
+              <a:t> </a:t>
+            </a:r>
+            <a:r>
+              <a:rPr lang="tr-TR" b="0" i="0" u="none" strike="noStrike" dirty="0" err="1">
+                <a:solidFill>
+                  <a:srgbClr val="000000"/>
+                </a:solidFill>
+                <a:effectLst/>
+              </a:rPr>
+              <a:t>for</a:t>
+            </a:r>
+            <a:r>
+              <a:rPr lang="tr-TR" b="0" i="0" u="none" strike="noStrike" dirty="0">
+                <a:solidFill>
+                  <a:srgbClr val="000000"/>
+                </a:solidFill>
+                <a:effectLst/>
+              </a:rPr>
+              <a:t> </a:t>
+            </a:r>
+            <a:r>
+              <a:rPr lang="tr-TR" b="0" i="0" u="none" strike="noStrike" dirty="0" err="1">
+                <a:solidFill>
+                  <a:srgbClr val="000000"/>
+                </a:solidFill>
+                <a:effectLst/>
+              </a:rPr>
+              <a:t>more</a:t>
+            </a:r>
+            <a:r>
+              <a:rPr lang="tr-TR" b="0" i="0" u="none" strike="noStrike" dirty="0">
+                <a:solidFill>
+                  <a:srgbClr val="000000"/>
+                </a:solidFill>
+                <a:effectLst/>
+              </a:rPr>
+              <a:t> </a:t>
+            </a:r>
+            <a:r>
+              <a:rPr lang="tr-TR" b="0" i="0" u="none" strike="noStrike" dirty="0" err="1">
+                <a:solidFill>
+                  <a:srgbClr val="000000"/>
+                </a:solidFill>
+                <a:effectLst/>
+              </a:rPr>
+              <a:t>users</a:t>
+            </a:r>
+            <a:r>
+              <a:rPr lang="tr-TR" b="0" i="0" u="none" strike="noStrike" dirty="0">
+                <a:solidFill>
+                  <a:srgbClr val="000000"/>
+                </a:solidFill>
+                <a:effectLst/>
+              </a:rPr>
+              <a:t> </a:t>
+            </a:r>
+            <a:r>
+              <a:rPr lang="tr-TR" b="0" i="0" u="none" strike="noStrike" dirty="0" err="1">
+                <a:solidFill>
+                  <a:srgbClr val="000000"/>
+                </a:solidFill>
+                <a:effectLst/>
+              </a:rPr>
+              <a:t>to</a:t>
+            </a:r>
+            <a:r>
+              <a:rPr lang="tr-TR" b="0" i="0" u="none" strike="noStrike" dirty="0">
+                <a:solidFill>
+                  <a:srgbClr val="000000"/>
+                </a:solidFill>
+                <a:effectLst/>
+              </a:rPr>
+              <a:t> </a:t>
+            </a:r>
+            <a:r>
+              <a:rPr lang="tr-TR" b="0" i="0" u="none" strike="noStrike" dirty="0" err="1">
+                <a:solidFill>
+                  <a:srgbClr val="000000"/>
+                </a:solidFill>
+                <a:effectLst/>
+              </a:rPr>
+              <a:t>see</a:t>
+            </a:r>
+            <a:r>
+              <a:rPr lang="tr-TR" b="0" i="0" u="none" strike="noStrike" dirty="0">
+                <a:solidFill>
+                  <a:srgbClr val="000000"/>
+                </a:solidFill>
+                <a:effectLst/>
+              </a:rPr>
+              <a:t> </a:t>
+            </a:r>
+            <a:r>
+              <a:rPr lang="tr-TR" b="0" i="0" u="none" strike="noStrike" dirty="0" err="1">
+                <a:solidFill>
+                  <a:srgbClr val="000000"/>
+                </a:solidFill>
+                <a:effectLst/>
+              </a:rPr>
+              <a:t>evolving</a:t>
+            </a:r>
+            <a:r>
+              <a:rPr lang="tr-TR" b="0" i="0" u="none" strike="noStrike" dirty="0">
+                <a:solidFill>
+                  <a:srgbClr val="000000"/>
+                </a:solidFill>
+                <a:effectLst/>
+              </a:rPr>
+              <a:t> </a:t>
+            </a:r>
+            <a:r>
+              <a:rPr lang="tr-TR" b="0" i="0" u="none" strike="noStrike" dirty="0" err="1">
+                <a:solidFill>
+                  <a:srgbClr val="000000"/>
+                </a:solidFill>
+                <a:effectLst/>
+              </a:rPr>
+              <a:t>patterns</a:t>
+            </a:r>
+            <a:r>
+              <a:rPr lang="tr-TR" b="0" i="0" u="none" strike="noStrike" dirty="0">
+                <a:solidFill>
+                  <a:srgbClr val="000000"/>
+                </a:solidFill>
+                <a:effectLst/>
+              </a:rPr>
+              <a:t>.</a:t>
+            </a:r>
+          </a:p>
+          <a:p>
+            <a:pPr algn="l"/>
+            <a:endParaRPr lang="tr-TR" b="0" i="0" u="none" strike="noStrike" dirty="0">
+              <a:solidFill>
+                <a:srgbClr val="000000"/>
+              </a:solidFill>
+              <a:effectLst/>
+            </a:endParaRPr>
+          </a:p>
+          <a:p>
+            <a:endParaRPr lang="tr-TR" dirty="0"/>
+          </a:p>
+        </p:txBody>
+      </p:sp>
+    </p:spTree>
+    <p:extLst>
+      <p:ext uri="{BB962C8B-B14F-4D97-AF65-F5344CB8AC3E}">
+        <p14:creationId xmlns:p14="http://schemas.microsoft.com/office/powerpoint/2010/main" val="1803185429"/>
+      </p:ext>
+    </p:extLst>
+  </p:cSld>
+  <p:clrMapOvr>
+    <a:masterClrMapping/>
+  </p:clrMapOvr>
+</p:sld>
+</file>
+
 <file path=ppt/slides/slide2.xml><?xml version="1.0" encoding="utf-8"?>
 <p:sld xmlns:a="http://schemas.openxmlformats.org/drawingml/2006/main" xmlns:r="http://schemas.openxmlformats.org/officeDocument/2006/relationships" xmlns:p="http://schemas.openxmlformats.org/presentationml/2006/main">
   <p:cSld>

--- a/Presentation.pptx
+++ b/Presentation.pptx
@@ -20,8 +20,9 @@
     <p:sldId id="271" r:id="rId14"/>
     <p:sldId id="263" r:id="rId15"/>
     <p:sldId id="270" r:id="rId16"/>
-    <p:sldId id="265" r:id="rId17"/>
-    <p:sldId id="272" r:id="rId18"/>
+    <p:sldId id="273" r:id="rId17"/>
+    <p:sldId id="265" r:id="rId18"/>
+    <p:sldId id="272" r:id="rId19"/>
   </p:sldIdLst>
   <p:sldSz cx="12192000" cy="6858000"/>
   <p:notesSz cx="6858000" cy="9144000"/>
@@ -17174,6 +17175,147 @@
           <p:cNvPr id="2" name="Başlık 1">
             <a:extLst>
               <a:ext uri="{FF2B5EF4-FFF2-40B4-BE49-F238E27FC236}">
+                <a16:creationId xmlns:a16="http://schemas.microsoft.com/office/drawing/2014/main" id="{ED087979-6692-1C68-1F1A-04F98B8A5EF0}"/>
+              </a:ext>
+            </a:extLst>
+          </p:cNvPr>
+          <p:cNvSpPr>
+            <a:spLocks noGrp="1"/>
+          </p:cNvSpPr>
+          <p:nvPr>
+            <p:ph type="title"/>
+          </p:nvPr>
+        </p:nvSpPr>
+        <p:spPr/>
+        <p:txBody>
+          <a:bodyPr/>
+          <a:lstStyle/>
+          <a:p>
+            <a:r>
+              <a:rPr lang="tr-TR" b="0" i="0" u="none" strike="noStrike" dirty="0">
+                <a:solidFill>
+                  <a:srgbClr val="000000"/>
+                </a:solidFill>
+                <a:effectLst/>
+                <a:latin typeface="-webkit-standard"/>
+              </a:rPr>
+              <a:t>Conclusion</a:t>
+            </a:r>
+            <a:endParaRPr lang="tr-TR" dirty="0"/>
+          </a:p>
+        </p:txBody>
+      </p:sp>
+      <p:sp>
+        <p:nvSpPr>
+          <p:cNvPr id="3" name="İçerik Yer Tutucusu 2">
+            <a:extLst>
+              <a:ext uri="{FF2B5EF4-FFF2-40B4-BE49-F238E27FC236}">
+                <a16:creationId xmlns:a16="http://schemas.microsoft.com/office/drawing/2014/main" id="{6D1BCB42-5B4A-4C76-D98F-9C93C74CBBFA}"/>
+              </a:ext>
+            </a:extLst>
+          </p:cNvPr>
+          <p:cNvSpPr>
+            <a:spLocks noGrp="1"/>
+          </p:cNvSpPr>
+          <p:nvPr>
+            <p:ph idx="1"/>
+          </p:nvPr>
+        </p:nvSpPr>
+        <p:spPr/>
+        <p:txBody>
+          <a:bodyPr/>
+          <a:lstStyle/>
+          <a:p>
+            <a:pPr marL="0" indent="0">
+              <a:buNone/>
+            </a:pPr>
+            <a:r>
+              <a:rPr lang="en-US" dirty="0"/>
+              <a:t>The Python code’s output below:</a:t>
+            </a:r>
+          </a:p>
+          <a:p>
+            <a:pPr marL="0" indent="0">
+              <a:buNone/>
+            </a:pPr>
+            <a:r>
+              <a:rPr lang="en-US" dirty="0"/>
+              <a:t>=== Exam Period Mean: 0.75 hours/day ===</a:t>
+            </a:r>
+          </a:p>
+          <a:p>
+            <a:pPr marL="0" indent="0">
+              <a:buNone/>
+            </a:pPr>
+            <a:r>
+              <a:rPr lang="en-US" dirty="0"/>
+              <a:t>=== Non-Exam Period Mean: 2.04 hours/day ===</a:t>
+            </a:r>
+          </a:p>
+          <a:p>
+            <a:pPr marL="0" indent="0">
+              <a:buNone/>
+            </a:pPr>
+            <a:r>
+              <a:rPr lang="en-US" dirty="0"/>
+              <a:t>=== T-Test Results (All Exam Periods Combined) ===</a:t>
+            </a:r>
+          </a:p>
+          <a:p>
+            <a:pPr marL="0" indent="0">
+              <a:buNone/>
+            </a:pPr>
+            <a:r>
+              <a:rPr lang="en-US" dirty="0"/>
+              <a:t>T-statistic: -4.535</a:t>
+            </a:r>
+          </a:p>
+          <a:p>
+            <a:pPr marL="0" indent="0">
+              <a:buNone/>
+            </a:pPr>
+            <a:r>
+              <a:rPr lang="en-US" dirty="0"/>
+              <a:t>P-value: 0.001</a:t>
+            </a:r>
+          </a:p>
+        </p:txBody>
+      </p:sp>
+    </p:spTree>
+    <p:extLst>
+      <p:ext uri="{BB962C8B-B14F-4D97-AF65-F5344CB8AC3E}">
+        <p14:creationId xmlns:p14="http://schemas.microsoft.com/office/powerpoint/2010/main" val="3295151504"/>
+      </p:ext>
+    </p:extLst>
+  </p:cSld>
+  <p:clrMapOvr>
+    <a:masterClrMapping/>
+  </p:clrMapOvr>
+</p:sld>
+</file>
+
+<file path=ppt/slides/slide17.xml><?xml version="1.0" encoding="utf-8"?>
+<p:sld xmlns:a="http://schemas.openxmlformats.org/drawingml/2006/main" xmlns:r="http://schemas.openxmlformats.org/officeDocument/2006/relationships" xmlns:p="http://schemas.openxmlformats.org/presentationml/2006/main">
+  <p:cSld>
+    <p:spTree>
+      <p:nvGrpSpPr>
+        <p:cNvPr id="1" name=""/>
+        <p:cNvGrpSpPr/>
+        <p:nvPr/>
+      </p:nvGrpSpPr>
+      <p:grpSpPr>
+        <a:xfrm>
+          <a:off x="0" y="0"/>
+          <a:ext cx="0" cy="0"/>
+          <a:chOff x="0" y="0"/>
+          <a:chExt cx="0" cy="0"/>
+        </a:xfrm>
+      </p:grpSpPr>
+      <p:sp>
+        <p:nvSpPr>
+          <p:cNvPr id="2" name="Başlık 1">
+            <a:extLst>
+              <a:ext uri="{FF2B5EF4-FFF2-40B4-BE49-F238E27FC236}">
                 <a16:creationId xmlns:a16="http://schemas.microsoft.com/office/drawing/2014/main" id="{3D11DD19-70E2-6A2F-4133-C1099C5B2E57}"/>
               </a:ext>
             </a:extLst>
@@ -17289,7 +17431,7 @@
 </p:sld>
 </file>
 
-<file path=ppt/slides/slide17.xml><?xml version="1.0" encoding="utf-8"?>
+<file path=ppt/slides/slide18.xml><?xml version="1.0" encoding="utf-8"?>
 <p:sld xmlns:a="http://schemas.openxmlformats.org/drawingml/2006/main" xmlns:r="http://schemas.openxmlformats.org/officeDocument/2006/relationships" xmlns:p="http://schemas.openxmlformats.org/presentationml/2006/main">
   <p:cSld>
     <p:spTree>
